--- a/sample/it-IT/my/ONLYOFFICE Sample Presentation.pptx
+++ b/sample/it-IT/my/ONLYOFFICE Sample Presentation.pptx
@@ -5,17 +5,17 @@
     <p:sldMasterId id="2147483648" r:id="rId1"/>
   </p:sldMasterIdLst>
   <p:notesMasterIdLst>
-    <p:notesMasterId r:id="rId11"/>
+    <p:notesMasterId r:id="rId10"/>
   </p:notesMasterIdLst>
   <p:sldIdLst>
-    <p:sldId id="256" r:id="rId3"/>
-    <p:sldId id="257" r:id="rId4"/>
-    <p:sldId id="258" r:id="rId5"/>
-    <p:sldId id="259" r:id="rId6"/>
-    <p:sldId id="260" r:id="rId7"/>
-    <p:sldId id="261" r:id="rId8"/>
-    <p:sldId id="262" r:id="rId9"/>
-    <p:sldId id="263" r:id="rId10"/>
+    <p:sldId id="256" r:id="rId2"/>
+    <p:sldId id="257" r:id="rId3"/>
+    <p:sldId id="258" r:id="rId4"/>
+    <p:sldId id="259" r:id="rId5"/>
+    <p:sldId id="260" r:id="rId6"/>
+    <p:sldId id="261" r:id="rId7"/>
+    <p:sldId id="262" r:id="rId8"/>
+    <p:sldId id="263" r:id="rId9"/>
   </p:sldIdLst>
   <p:sldSz cx="9144000" cy="6858000" type="screen4x3"/>
   <p:notesSz cx="6858000" cy="9144000"/>
@@ -96,6 +96,22 @@
       </a:defRPr>
     </a:lvl9pPr>
   </p:defaultTextStyle>
+  <p:extLst>
+    <p:ext uri="{EFAFB233-063F-42B5-8137-9DF3F51BA10A}">
+      <p15:sldGuideLst xmlns:p15="http://schemas.microsoft.com/office/powerpoint/2012/main">
+        <p15:guide id="1" orient="horz" pos="2160">
+          <p15:clr>
+            <a:srgbClr val="A4A3A4"/>
+          </p15:clr>
+        </p15:guide>
+        <p15:guide id="2" pos="2880">
+          <p15:clr>
+            <a:srgbClr val="A4A3A4"/>
+          </p15:clr>
+        </p15:guide>
+      </p15:sldGuideLst>
+    </p:ext>
+  </p:extLst>
 </p:presentation>
 </file>
 
@@ -142,7 +158,6 @@
           <a:prstGeom prst="rect">
             <a:avLst/>
           </a:prstGeom>
-          <a:extLst/>
         </p:spPr>
         <p:txBody>
           <a:bodyPr/>
@@ -305,9 +320,9 @@
       </p:grpSpPr>
       <p:sp>
         <p:nvSpPr>
-          <p:cNvPr id="100000" name=""/>
+          <p:cNvPr id="100000" name="Notes Placeholder 99999"/>
           <p:cNvSpPr>
-            <a:spLocks noChangeArrowheads="1" noGrp="1"/>
+            <a:spLocks noGrp="1" noChangeArrowheads="1"/>
           </p:cNvSpPr>
           <p:nvPr>
             <p:ph type="body" idx="1"/>
@@ -316,11 +331,9 @@
         <p:spPr/>
         <p:txBody>
           <a:bodyPr/>
-          <a:p>
-            <a:r>
-              <a:rPr smtClean="0"/>
-              <a:t/>
-            </a:r>
+          <a:lstStyle/>
+          <a:p>
+            <a:endParaRPr/>
           </a:p>
         </p:txBody>
       </p:sp>
@@ -351,9 +364,9 @@
       </p:grpSpPr>
       <p:sp>
         <p:nvSpPr>
-          <p:cNvPr id="100000" name=""/>
+          <p:cNvPr id="100000" name="Notes Placeholder 99999"/>
           <p:cNvSpPr>
-            <a:spLocks noChangeArrowheads="1" noGrp="1"/>
+            <a:spLocks noGrp="1" noChangeArrowheads="1"/>
           </p:cNvSpPr>
           <p:nvPr>
             <p:ph type="body" idx="1"/>
@@ -362,11 +375,9 @@
         <p:spPr/>
         <p:txBody>
           <a:bodyPr/>
-          <a:p>
-            <a:r>
-              <a:rPr smtClean="0"/>
-              <a:t/>
-            </a:r>
+          <a:lstStyle/>
+          <a:p>
+            <a:endParaRPr/>
           </a:p>
         </p:txBody>
       </p:sp>
@@ -397,9 +408,9 @@
       </p:grpSpPr>
       <p:sp>
         <p:nvSpPr>
-          <p:cNvPr id="100000" name=""/>
+          <p:cNvPr id="100000" name="Notes Placeholder 99999"/>
           <p:cNvSpPr>
-            <a:spLocks noChangeArrowheads="1" noGrp="1"/>
+            <a:spLocks noGrp="1" noChangeArrowheads="1"/>
           </p:cNvSpPr>
           <p:nvPr>
             <p:ph type="body" idx="1"/>
@@ -408,11 +419,9 @@
         <p:spPr/>
         <p:txBody>
           <a:bodyPr/>
-          <a:p>
-            <a:r>
-              <a:rPr smtClean="0"/>
-              <a:t/>
-            </a:r>
+          <a:lstStyle/>
+          <a:p>
+            <a:endParaRPr/>
           </a:p>
         </p:txBody>
       </p:sp>
@@ -443,9 +452,9 @@
       </p:grpSpPr>
       <p:sp>
         <p:nvSpPr>
-          <p:cNvPr id="100000" name=""/>
+          <p:cNvPr id="100000" name="Notes Placeholder 99999"/>
           <p:cNvSpPr>
-            <a:spLocks noChangeArrowheads="1" noGrp="1"/>
+            <a:spLocks noGrp="1" noChangeArrowheads="1"/>
           </p:cNvSpPr>
           <p:nvPr>
             <p:ph type="body" idx="1"/>
@@ -454,11 +463,9 @@
         <p:spPr/>
         <p:txBody>
           <a:bodyPr/>
-          <a:p>
-            <a:r>
-              <a:rPr smtClean="0"/>
-              <a:t/>
-            </a:r>
+          <a:lstStyle/>
+          <a:p>
+            <a:endParaRPr/>
           </a:p>
         </p:txBody>
       </p:sp>
@@ -489,9 +496,9 @@
       </p:grpSpPr>
       <p:sp>
         <p:nvSpPr>
-          <p:cNvPr id="100000" name=""/>
+          <p:cNvPr id="100000" name="Notes Placeholder 99999"/>
           <p:cNvSpPr>
-            <a:spLocks noChangeArrowheads="1" noGrp="1"/>
+            <a:spLocks noGrp="1" noChangeArrowheads="1"/>
           </p:cNvSpPr>
           <p:nvPr>
             <p:ph type="body" idx="1"/>
@@ -500,11 +507,9 @@
         <p:spPr/>
         <p:txBody>
           <a:bodyPr/>
-          <a:p>
-            <a:r>
-              <a:rPr smtClean="0"/>
-              <a:t/>
-            </a:r>
+          <a:lstStyle/>
+          <a:p>
+            <a:endParaRPr/>
           </a:p>
         </p:txBody>
       </p:sp>
@@ -535,9 +540,9 @@
       </p:grpSpPr>
       <p:sp>
         <p:nvSpPr>
-          <p:cNvPr id="100000" name=""/>
+          <p:cNvPr id="100000" name="Notes Placeholder 99999"/>
           <p:cNvSpPr>
-            <a:spLocks noChangeArrowheads="1" noGrp="1"/>
+            <a:spLocks noGrp="1" noChangeArrowheads="1"/>
           </p:cNvSpPr>
           <p:nvPr>
             <p:ph type="body" idx="1"/>
@@ -546,11 +551,9 @@
         <p:spPr/>
         <p:txBody>
           <a:bodyPr/>
-          <a:p>
-            <a:r>
-              <a:rPr smtClean="0"/>
-              <a:t/>
-            </a:r>
+          <a:lstStyle/>
+          <a:p>
+            <a:endParaRPr/>
           </a:p>
         </p:txBody>
       </p:sp>
@@ -581,9 +584,9 @@
       </p:grpSpPr>
       <p:sp>
         <p:nvSpPr>
-          <p:cNvPr id="100000" name=""/>
+          <p:cNvPr id="100000" name="Notes Placeholder 99999"/>
           <p:cNvSpPr>
-            <a:spLocks noChangeArrowheads="1" noGrp="1"/>
+            <a:spLocks noGrp="1" noChangeArrowheads="1"/>
           </p:cNvSpPr>
           <p:nvPr>
             <p:ph type="body" idx="1"/>
@@ -592,11 +595,9 @@
         <p:spPr/>
         <p:txBody>
           <a:bodyPr/>
-          <a:p>
-            <a:r>
-              <a:rPr smtClean="0"/>
-              <a:t/>
-            </a:r>
+          <a:lstStyle/>
+          <a:p>
+            <a:endParaRPr/>
           </a:p>
         </p:txBody>
       </p:sp>
@@ -627,9 +628,9 @@
       </p:grpSpPr>
       <p:sp>
         <p:nvSpPr>
-          <p:cNvPr id="100000" name=""/>
+          <p:cNvPr id="100000" name="Notes Placeholder 99999"/>
           <p:cNvSpPr>
-            <a:spLocks noChangeArrowheads="1" noGrp="1"/>
+            <a:spLocks noGrp="1" noChangeArrowheads="1"/>
           </p:cNvSpPr>
           <p:nvPr>
             <p:ph type="body" idx="1"/>
@@ -638,11 +639,9 @@
         <p:spPr/>
         <p:txBody>
           <a:bodyPr/>
-          <a:p>
-            <a:r>
-              <a:rPr smtClean="0"/>
-              <a:t/>
-            </a:r>
+          <a:lstStyle/>
+          <a:p>
+            <a:endParaRPr/>
           </a:p>
         </p:txBody>
       </p:sp>
@@ -723,10 +722,6 @@
             <a:fld id="{8EC678CE-9857-4734-9115-53321CEB7787}" type="datetimeFigureOut">
               <a:t>3/27/2014</a:t>
             </a:fld>
-            <a:r>
-              <a:rPr/>
-              <a:t>27.03.201412.06.201413.06.201413.06.201416.06.201424.06.2014</a:t>
-            </a:r>
             <a:endParaRPr/>
           </a:p>
         </p:txBody>
@@ -779,7 +774,6 @@
   <p:clrMapOvr>
     <a:masterClrMapping/>
   </p:clrMapOvr>
-  <p:hf dt="1" ftr="1" hdr="1" sldNum="1"/>
 </p:sldLayout>
 </file>
 
@@ -907,10 +901,6 @@
             <a:fld id="{8EC678CE-9857-4734-9115-53321CEB7787}" type="datetimeFigureOut">
               <a:t>3/27/2014</a:t>
             </a:fld>
-            <a:r>
-              <a:rPr/>
-              <a:t>27.03.201412.06.201413.06.201413.06.201416.06.201424.06.2014</a:t>
-            </a:r>
             <a:endParaRPr/>
           </a:p>
         </p:txBody>
@@ -963,7 +953,6 @@
   <p:clrMapOvr>
     <a:masterClrMapping/>
   </p:clrMapOvr>
-  <p:hf dt="1" ftr="1" hdr="1" sldNum="1"/>
 </p:sldLayout>
 </file>
 
@@ -1101,10 +1090,6 @@
             <a:fld id="{8EC678CE-9857-4734-9115-53321CEB7787}" type="datetimeFigureOut">
               <a:t>3/27/2014</a:t>
             </a:fld>
-            <a:r>
-              <a:rPr/>
-              <a:t>27.03.201412.06.201413.06.201413.06.201416.06.201424.06.2014</a:t>
-            </a:r>
             <a:endParaRPr/>
           </a:p>
         </p:txBody>
@@ -1157,7 +1142,6 @@
   <p:clrMapOvr>
     <a:masterClrMapping/>
   </p:clrMapOvr>
-  <p:hf dt="1" ftr="1" hdr="1" sldNum="1"/>
 </p:sldLayout>
 </file>
 
@@ -1285,10 +1269,6 @@
             <a:fld id="{8EC678CE-9857-4734-9115-53321CEB7787}" type="datetimeFigureOut">
               <a:t>3/27/2014</a:t>
             </a:fld>
-            <a:r>
-              <a:rPr/>
-              <a:t>27.03.201412.06.201413.06.201413.06.201416.06.201424.06.2014</a:t>
-            </a:r>
             <a:endParaRPr/>
           </a:p>
         </p:txBody>
@@ -1341,7 +1321,6 @@
   <p:clrMapOvr>
     <a:masterClrMapping/>
   </p:clrMapOvr>
-  <p:hf dt="1" ftr="1" hdr="1" sldNum="1"/>
 </p:sldLayout>
 </file>
 
@@ -1532,10 +1511,6 @@
             <a:fld id="{8EC678CE-9857-4734-9115-53321CEB7787}" type="datetimeFigureOut">
               <a:t>3/27/2014</a:t>
             </a:fld>
-            <a:r>
-              <a:rPr/>
-              <a:t>27.03.201412.06.201413.06.201413.06.201416.06.201424.06.2014</a:t>
-            </a:r>
             <a:endParaRPr/>
           </a:p>
         </p:txBody>
@@ -1588,7 +1563,6 @@
   <p:clrMapOvr>
     <a:masterClrMapping/>
   </p:clrMapOvr>
-  <p:hf dt="1" ftr="1" hdr="1" sldNum="1"/>
 </p:sldLayout>
 </file>
 
@@ -1790,10 +1764,6 @@
             <a:fld id="{8EC678CE-9857-4734-9115-53321CEB7787}" type="datetimeFigureOut">
               <a:t>3/27/2014</a:t>
             </a:fld>
-            <a:r>
-              <a:rPr/>
-              <a:t>27.03.201412.06.201413.06.201413.06.201416.06.201424.06.2014</a:t>
-            </a:r>
             <a:endParaRPr/>
           </a:p>
         </p:txBody>
@@ -1846,7 +1816,6 @@
   <p:clrMapOvr>
     <a:masterClrMapping/>
   </p:clrMapOvr>
-  <p:hf dt="1" ftr="1" hdr="1" sldNum="1"/>
 </p:sldLayout>
 </file>
 
@@ -2185,10 +2154,6 @@
             <a:fld id="{8EC678CE-9857-4734-9115-53321CEB7787}" type="datetimeFigureOut">
               <a:t>3/27/2014</a:t>
             </a:fld>
-            <a:r>
-              <a:rPr/>
-              <a:t>27.03.201412.06.201413.06.201413.06.201416.06.201424.06.2014</a:t>
-            </a:r>
             <a:endParaRPr/>
           </a:p>
         </p:txBody>
@@ -2241,7 +2206,6 @@
   <p:clrMapOvr>
     <a:masterClrMapping/>
   </p:clrMapOvr>
-  <p:hf dt="1" ftr="1" hdr="1" sldNum="1"/>
 </p:sldLayout>
 </file>
 
@@ -2305,10 +2269,6 @@
             <a:fld id="{8EC678CE-9857-4734-9115-53321CEB7787}" type="datetimeFigureOut">
               <a:t>3/27/2014</a:t>
             </a:fld>
-            <a:r>
-              <a:rPr/>
-              <a:t>27.03.201412.06.201413.06.201413.06.201416.06.201424.06.2014</a:t>
-            </a:r>
             <a:endParaRPr/>
           </a:p>
         </p:txBody>
@@ -2361,7 +2321,6 @@
   <p:clrMapOvr>
     <a:masterClrMapping/>
   </p:clrMapOvr>
-  <p:hf dt="1" ftr="1" hdr="1" sldNum="1"/>
 </p:sldLayout>
 </file>
 
@@ -2401,10 +2360,6 @@
             <a:fld id="{8EC678CE-9857-4734-9115-53321CEB7787}" type="datetimeFigureOut">
               <a:t>3/27/2014</a:t>
             </a:fld>
-            <a:r>
-              <a:rPr/>
-              <a:t>27.03.201412.06.201413.06.201413.06.201416.06.201424.06.2014</a:t>
-            </a:r>
             <a:endParaRPr/>
           </a:p>
         </p:txBody>
@@ -2457,7 +2412,6 @@
   <p:clrMapOvr>
     <a:masterClrMapping/>
   </p:clrMapOvr>
-  <p:hf dt="1" ftr="1" hdr="1" sldNum="1"/>
 </p:sldLayout>
 </file>
 
@@ -2693,10 +2647,6 @@
             <a:fld id="{8EC678CE-9857-4734-9115-53321CEB7787}" type="datetimeFigureOut">
               <a:t>3/27/2014</a:t>
             </a:fld>
-            <a:r>
-              <a:rPr/>
-              <a:t>27.03.201412.06.201413.06.201413.06.201416.06.201424.06.2014</a:t>
-            </a:r>
             <a:endParaRPr/>
           </a:p>
         </p:txBody>
@@ -2749,7 +2699,6 @@
   <p:clrMapOvr>
     <a:masterClrMapping/>
   </p:clrMapOvr>
-  <p:hf dt="1" ftr="1" hdr="1" sldNum="1"/>
 </p:sldLayout>
 </file>
 
@@ -2954,10 +2903,6 @@
             <a:fld id="{8EC678CE-9857-4734-9115-53321CEB7787}" type="datetimeFigureOut">
               <a:t>3/27/2014</a:t>
             </a:fld>
-            <a:r>
-              <a:rPr/>
-              <a:t>27.03.201412.06.201413.06.201413.06.201416.06.201424.06.2014</a:t>
-            </a:r>
             <a:endParaRPr/>
           </a:p>
         </p:txBody>
@@ -3010,7 +2955,6 @@
   <p:clrMapOvr>
     <a:masterClrMapping/>
   </p:clrMapOvr>
-  <p:hf dt="1" ftr="1" hdr="1" sldNum="1"/>
 </p:sldLayout>
 </file>
 
@@ -3279,7 +3223,6 @@
     <p:sldLayoutId id="2147483658" r:id="rId10"/>
     <p:sldLayoutId id="2147483659" r:id="rId11"/>
   </p:sldLayoutIdLst>
-  <p:hf dt="1" ftr="1" hdr="1" sldNum="1"/>
   <p:txStyles>
     <p:titleStyle>
       <a:lvl1pPr algn="l">
@@ -3526,21 +3469,22 @@
 </file>
 
 <file path=ppt/slides/slide1.xml><?xml version="1.0" encoding="utf-8"?>
-<p:sld xmlns:a="http://schemas.openxmlformats.org/drawingml/2006/main" xmlns:r="http://schemas.openxmlformats.org/officeDocument/2006/relationships" xmlns:p="http://schemas.openxmlformats.org/presentationml/2006/main" showMasterPhAnim="0" show="1">
-  <p:cSld name="">
+<p:sld xmlns:a="http://schemas.openxmlformats.org/drawingml/2006/main" xmlns:r="http://schemas.openxmlformats.org/officeDocument/2006/relationships" xmlns:p="http://schemas.openxmlformats.org/presentationml/2006/main" showMasterPhAnim="0">
+  <p:cSld>
     <p:bg>
-      <p:bgPr shadeToTitle="0">
+      <p:bgPr>
         <a:blipFill>
           <a:blip r:embed="rId3"/>
           <a:stretch/>
         </a:blipFill>
+        <a:effectLst/>
       </p:bgPr>
     </p:bg>
     <p:spTree>
       <p:nvGrpSpPr>
         <p:cNvPr id="1" name=""/>
         <p:cNvGrpSpPr/>
-        <p:nvPr isPhoto="0" userDrawn="0"/>
+        <p:nvPr/>
       </p:nvGrpSpPr>
       <p:grpSpPr bwMode="auto">
         <a:xfrm>
@@ -3553,9 +3497,11 @@
       <p:sp>
         <p:nvSpPr>
           <p:cNvPr id="2" name="Title 1"/>
-          <p:cNvSpPr/>
-          <p:nvPr isPhoto="0" userDrawn="0">
-            <p:ph type="ctrTitle" hasCustomPrompt="0"/>
+          <p:cNvSpPr>
+            <a:spLocks noGrp="1"/>
+          </p:cNvSpPr>
+          <p:nvPr>
+            <p:ph type="ctrTitle"/>
           </p:nvPr>
         </p:nvSpPr>
         <p:spPr bwMode="auto"/>
@@ -3567,34 +3513,23 @@
               <a:defRPr/>
             </a:pPr>
             <a:r>
-              <a:rPr sz="8000" b="1"/>
+              <a:rPr lang="it-IT" sz="8000" b="1"/>
               <a:t>Come </a:t>
             </a:r>
-            <a:r>
-              <a:rPr sz="8000"/>
-              <a:t/>
-            </a:r>
-            <a:r>
-              <a:rPr sz="8000"/>
-              <a:t/>
-            </a:r>
-            <a:br/>
-            <a:r>
+            <a:br>
+              <a:rPr lang="it-IT"/>
+            </a:br>
+            <a:r>
+              <a:rPr lang="it-IT"/>
               <a:t>lanciare</a:t>
             </a:r>
-            <a:r>
-              <a:rPr sz="6600"/>
-              <a:t/>
-            </a:r>
-            <a:r>
-              <a:rPr sz="6600"/>
-              <a:t/>
-            </a:r>
-            <a:br/>
-            <a:r>
+            <a:br>
+              <a:rPr lang="it-IT"/>
+            </a:br>
+            <a:r>
+              <a:rPr lang="it-IT"/>
               <a:t>una sfida</a:t>
             </a:r>
-            <a:endParaRPr/>
           </a:p>
         </p:txBody>
       </p:sp>
@@ -3603,13 +3538,13 @@
   <p:clrMapOvr>
     <a:masterClrMapping/>
   </p:clrMapOvr>
-  <mc:AlternateContent xmlns:mc="http://schemas.openxmlformats.org/markup-compatibility/2006">
-    <mc:Choice xmlns:p14="http://schemas.microsoft.com/office/powerpoint/2010/main" Requires="p14">
-      <p:transition spd="slow" p14:dur="2000" advClick="1" advTm="10000">
-        <p:fade thruBlk="0"/>
+  <mc:AlternateContent xmlns:mc="http://schemas.openxmlformats.org/markup-compatibility/2006" xmlns:p14="http://schemas.microsoft.com/office/powerpoint/2010/main">
+    <mc:Choice Requires="p14">
+      <p:transition spd="slow" p14:dur="2000" advTm="10000">
+        <p:fade/>
       </p:transition>
     </mc:Choice>
-    <mc:Fallback>
+    <mc:Fallback xmlns="">
       <p:transition spd="slow" advClick="1" advTm="10000">
         <p:fade thruBlk="0"/>
       </p:transition>
@@ -3619,21 +3554,22 @@
 </file>
 
 <file path=ppt/slides/slide2.xml><?xml version="1.0" encoding="utf-8"?>
-<p:sld xmlns:a="http://schemas.openxmlformats.org/drawingml/2006/main" xmlns:r="http://schemas.openxmlformats.org/officeDocument/2006/relationships" xmlns:p="http://schemas.openxmlformats.org/presentationml/2006/main" showMasterPhAnim="0" show="1">
-  <p:cSld name="">
+<p:sld xmlns:a="http://schemas.openxmlformats.org/drawingml/2006/main" xmlns:r="http://schemas.openxmlformats.org/officeDocument/2006/relationships" xmlns:p="http://schemas.openxmlformats.org/presentationml/2006/main" showMasterPhAnim="0">
+  <p:cSld>
     <p:bg>
-      <p:bgPr shadeToTitle="0">
+      <p:bgPr>
         <a:blipFill>
           <a:blip r:embed="rId3"/>
           <a:stretch/>
         </a:blipFill>
+        <a:effectLst/>
       </p:bgPr>
     </p:bg>
     <p:spTree>
       <p:nvGrpSpPr>
         <p:cNvPr id="1" name=""/>
         <p:cNvGrpSpPr/>
-        <p:nvPr isPhoto="0" userDrawn="0"/>
+        <p:nvPr/>
       </p:nvGrpSpPr>
       <p:grpSpPr bwMode="auto">
         <a:xfrm>
@@ -3646,13 +3582,15 @@
       <p:sp>
         <p:nvSpPr>
           <p:cNvPr id="4" name="Title 3"/>
-          <p:cNvSpPr/>
-          <p:nvPr isPhoto="0" userDrawn="0">
-            <p:ph type="title" hasCustomPrompt="0"/>
+          <p:cNvSpPr>
+            <a:spLocks noGrp="1"/>
+          </p:cNvSpPr>
+          <p:nvPr>
+            <p:ph type="title"/>
           </p:nvPr>
         </p:nvSpPr>
         <p:spPr bwMode="auto">
-          <a:xfrm rot="0" flipH="0" flipV="0">
+          <a:xfrm>
             <a:off x="883430" y="1191599"/>
             <a:ext cx="7785369" cy="1724400"/>
           </a:xfrm>
@@ -3665,50 +3603,39 @@
               <a:defRPr/>
             </a:pPr>
             <a:r>
-              <a:rPr sz="5500" b="1"/>
-              <a:t/>
-            </a:r>
-            <a:r>
-              <a:rPr sz="5400" b="1"/>
+              <a:rPr lang="it-IT" sz="5400" b="1" dirty="0"/>
               <a:t>Gli indiani d'America</a:t>
             </a:r>
             <a:r>
-              <a:rPr sz="5500" b="1"/>
+              <a:rPr lang="it-IT" sz="5500" b="1" dirty="0"/>
               <a:t> </a:t>
             </a:r>
-            <a:endParaRPr/>
-          </a:p>
-          <a:p>
-            <a:pPr lvl="0">
-              <a:defRPr/>
-            </a:pPr>
-            <a:r>
-              <a:rPr sz="4700" b="0" i="0" u="none" strike="noStrike" cap="none">
-                <a:solidFill>
-                  <a:schemeClr val="tx1"/>
-                </a:solidFill>
-                <a:latin typeface="Georgia"/>
-              </a:rPr>
-              <a:t/>
-            </a:r>
-            <a:r>
-              <a:rPr sz="4700"/>
+            <a:endParaRPr lang="it-IT" dirty="0"/>
+          </a:p>
+          <a:p>
+            <a:pPr lvl="0">
+              <a:defRPr/>
+            </a:pPr>
+            <a:r>
+              <a:rPr lang="it-IT" sz="4700" dirty="0"/>
               <a:t>(nel XVII secolo)</a:t>
             </a:r>
-            <a:endParaRPr/>
+            <a:endParaRPr lang="it-IT" dirty="0"/>
           </a:p>
         </p:txBody>
       </p:sp>
       <p:sp>
         <p:nvSpPr>
           <p:cNvPr id="5" name="Text Placeholder 4"/>
-          <p:cNvSpPr/>
-          <p:nvPr isPhoto="0" userDrawn="0">
-            <p:ph type="body" idx="1" hasCustomPrompt="0"/>
+          <p:cNvSpPr>
+            <a:spLocks noGrp="1"/>
+          </p:cNvSpPr>
+          <p:nvPr>
+            <p:ph type="body" idx="1"/>
           </p:nvPr>
         </p:nvSpPr>
         <p:spPr bwMode="auto">
-          <a:xfrm flipH="0" flipV="0">
+          <a:xfrm>
             <a:off x="3608653" y="3888000"/>
             <a:ext cx="5211346" cy="2419200"/>
           </a:xfrm>
@@ -3721,26 +3648,24 @@
               <a:defRPr/>
             </a:pPr>
             <a:r>
-              <a:rPr/>
+              <a:rPr lang="it-IT" dirty="0"/>
               <a:t>misero un tomahawk </a:t>
             </a:r>
-            <a:endParaRPr/>
-          </a:p>
-          <a:p>
-            <a:pPr lvl="0">
-              <a:defRPr/>
-            </a:pPr>
-            <a:r>
-              <a:rPr/>
+          </a:p>
+          <a:p>
+            <a:pPr lvl="0">
+              <a:defRPr/>
+            </a:pPr>
+            <a:r>
+              <a:rPr lang="it-IT" dirty="0"/>
               <a:t>sul campo del rivale</a:t>
             </a:r>
-            <a:endParaRPr/>
-          </a:p>
-          <a:p>
-            <a:pPr lvl="0">
-              <a:defRPr/>
-            </a:pPr>
-            <a:endParaRPr/>
+          </a:p>
+          <a:p>
+            <a:pPr lvl="0">
+              <a:defRPr/>
+            </a:pPr>
+            <a:endParaRPr lang="it-IT" dirty="0"/>
           </a:p>
         </p:txBody>
       </p:sp>
@@ -3749,13 +3674,13 @@
   <p:clrMapOvr>
     <a:masterClrMapping/>
   </p:clrMapOvr>
-  <mc:AlternateContent xmlns:mc="http://schemas.openxmlformats.org/markup-compatibility/2006">
-    <mc:Choice xmlns:p14="http://schemas.microsoft.com/office/powerpoint/2010/main" Requires="p14">
-      <p:transition spd="slow" p14:dur="2000" advClick="1" advTm="10000">
-        <p:fade thruBlk="0"/>
+  <mc:AlternateContent xmlns:mc="http://schemas.openxmlformats.org/markup-compatibility/2006" xmlns:p14="http://schemas.microsoft.com/office/powerpoint/2010/main">
+    <mc:Choice Requires="p14">
+      <p:transition spd="slow" p14:dur="2000" advTm="10000">
+        <p:fade/>
       </p:transition>
     </mc:Choice>
-    <mc:Fallback>
+    <mc:Fallback xmlns="">
       <p:transition spd="slow" advClick="1" advTm="10000">
         <p:fade thruBlk="0"/>
       </p:transition>
@@ -3765,21 +3690,22 @@
 </file>
 
 <file path=ppt/slides/slide3.xml><?xml version="1.0" encoding="utf-8"?>
-<p:sld xmlns:a="http://schemas.openxmlformats.org/drawingml/2006/main" xmlns:r="http://schemas.openxmlformats.org/officeDocument/2006/relationships" xmlns:p="http://schemas.openxmlformats.org/presentationml/2006/main" showMasterPhAnim="0" show="1">
-  <p:cSld name="">
+<p:sld xmlns:a="http://schemas.openxmlformats.org/drawingml/2006/main" xmlns:r="http://schemas.openxmlformats.org/officeDocument/2006/relationships" xmlns:p="http://schemas.openxmlformats.org/presentationml/2006/main" showMasterPhAnim="0">
+  <p:cSld>
     <p:bg>
-      <p:bgPr shadeToTitle="0">
+      <p:bgPr>
         <a:blipFill>
           <a:blip r:embed="rId3"/>
           <a:stretch/>
         </a:blipFill>
+        <a:effectLst/>
       </p:bgPr>
     </p:bg>
     <p:spTree>
       <p:nvGrpSpPr>
         <p:cNvPr id="1" name=""/>
         <p:cNvGrpSpPr/>
-        <p:nvPr isPhoto="0" userDrawn="0"/>
+        <p:nvPr/>
       </p:nvGrpSpPr>
       <p:grpSpPr bwMode="auto">
         <a:xfrm>
@@ -3792,9 +3718,11 @@
       <p:sp>
         <p:nvSpPr>
           <p:cNvPr id="2" name="Title 1"/>
-          <p:cNvSpPr/>
-          <p:nvPr isPhoto="0" userDrawn="0">
-            <p:ph type="title" hasCustomPrompt="0"/>
+          <p:cNvSpPr>
+            <a:spLocks noGrp="1"/>
+          </p:cNvSpPr>
+          <p:nvPr>
+            <p:ph type="title"/>
           </p:nvPr>
         </p:nvSpPr>
         <p:spPr bwMode="auto"/>
@@ -3806,28 +3734,28 @@
               <a:defRPr/>
             </a:pPr>
             <a:r>
-              <a:rPr b="1"/>
-              <a:t/>
-            </a:r>
-            <a:r>
-              <a:rPr b="1"/>
+              <a:rPr lang="it-IT" b="1"/>
               <a:t>I cavalieri europei </a:t>
             </a:r>
-            <a:br/>
-            <a:r>
-              <a:rPr sz="4800"/>
+            <a:br>
+              <a:rPr lang="it-IT"/>
+            </a:br>
+            <a:r>
+              <a:rPr lang="it-IT" sz="4800"/>
               <a:t>(nei XII-XVI secoli)</a:t>
             </a:r>
-            <a:endParaRPr/>
+            <a:endParaRPr lang="it-IT"/>
           </a:p>
         </p:txBody>
       </p:sp>
       <p:sp>
         <p:nvSpPr>
           <p:cNvPr id="3" name="Text Placeholder 2"/>
-          <p:cNvSpPr/>
-          <p:nvPr isPhoto="0" userDrawn="0">
-            <p:ph type="body" idx="1" hasCustomPrompt="0"/>
+          <p:cNvSpPr>
+            <a:spLocks noGrp="1"/>
+          </p:cNvSpPr>
+          <p:nvPr>
+            <p:ph type="body" idx="1"/>
           </p:nvPr>
         </p:nvSpPr>
         <p:spPr bwMode="auto"/>
@@ -3839,34 +3767,25 @@
               <a:defRPr/>
             </a:pPr>
             <a:r>
-              <a:rPr/>
+              <a:rPr lang="it-IT"/>
               <a:t>gettarano </a:t>
             </a:r>
             <a:r>
-              <a:rPr sz="4200" b="0" i="0" u="none" strike="noStrike" cap="none">
+              <a:rPr lang="it-IT" sz="4200" b="0" i="0" u="none" strike="noStrike" cap="none">
                 <a:solidFill>
                   <a:schemeClr val="tx1"/>
                 </a:solidFill>
                 <a:latin typeface="Georgia"/>
               </a:rPr>
-              <a:t>il guanto in faccia </a:t>
-            </a:r>
-            <a:r>
-              <a:rPr sz="4200" b="0" i="0" u="none" strike="noStrike" cap="none">
-                <a:solidFill>
-                  <a:schemeClr val="tx1"/>
-                </a:solidFill>
-                <a:latin typeface="Georgia"/>
-              </a:rPr>
-              <a:t>al rivale</a:t>
-            </a:r>
-            <a:endParaRPr/>
-          </a:p>
-          <a:p>
-            <a:pPr lvl="0">
-              <a:defRPr/>
-            </a:pPr>
-            <a:endParaRPr/>
+              <a:t>il guanto in faccia al rivale</a:t>
+            </a:r>
+            <a:endParaRPr lang="it-IT"/>
+          </a:p>
+          <a:p>
+            <a:pPr lvl="0">
+              <a:defRPr/>
+            </a:pPr>
+            <a:endParaRPr lang="it-IT"/>
           </a:p>
         </p:txBody>
       </p:sp>
@@ -3875,13 +3794,13 @@
   <p:clrMapOvr>
     <a:masterClrMapping/>
   </p:clrMapOvr>
-  <mc:AlternateContent xmlns:mc="http://schemas.openxmlformats.org/markup-compatibility/2006">
-    <mc:Choice xmlns:p14="http://schemas.microsoft.com/office/powerpoint/2010/main" Requires="p14">
-      <p:transition spd="slow" p14:dur="2000" advClick="1" advTm="10000">
-        <p:fade thruBlk="0"/>
+  <mc:AlternateContent xmlns:mc="http://schemas.openxmlformats.org/markup-compatibility/2006" xmlns:p14="http://schemas.microsoft.com/office/powerpoint/2010/main">
+    <mc:Choice Requires="p14">
+      <p:transition spd="slow" p14:dur="2000" advTm="10000">
+        <p:fade/>
       </p:transition>
     </mc:Choice>
-    <mc:Fallback>
+    <mc:Fallback xmlns="">
       <p:transition spd="slow" advClick="1" advTm="10000">
         <p:fade thruBlk="0"/>
       </p:transition>
@@ -3891,21 +3810,22 @@
 </file>
 
 <file path=ppt/slides/slide4.xml><?xml version="1.0" encoding="utf-8"?>
-<p:sld xmlns:a="http://schemas.openxmlformats.org/drawingml/2006/main" xmlns:r="http://schemas.openxmlformats.org/officeDocument/2006/relationships" xmlns:p="http://schemas.openxmlformats.org/presentationml/2006/main" showMasterPhAnim="0" show="1">
-  <p:cSld name="">
+<p:sld xmlns:a="http://schemas.openxmlformats.org/drawingml/2006/main" xmlns:r="http://schemas.openxmlformats.org/officeDocument/2006/relationships" xmlns:p="http://schemas.openxmlformats.org/presentationml/2006/main" showMasterPhAnim="0">
+  <p:cSld>
     <p:bg>
-      <p:bgPr shadeToTitle="0">
+      <p:bgPr>
         <a:blipFill>
           <a:blip r:embed="rId3"/>
           <a:stretch/>
         </a:blipFill>
+        <a:effectLst/>
       </p:bgPr>
     </p:bg>
     <p:spTree>
       <p:nvGrpSpPr>
         <p:cNvPr id="1" name=""/>
         <p:cNvGrpSpPr/>
-        <p:nvPr isPhoto="0" userDrawn="0"/>
+        <p:nvPr/>
       </p:nvGrpSpPr>
       <p:grpSpPr bwMode="auto">
         <a:xfrm>
@@ -3918,9 +3838,11 @@
       <p:sp>
         <p:nvSpPr>
           <p:cNvPr id="2" name="Title 1"/>
-          <p:cNvSpPr/>
-          <p:nvPr isPhoto="0" userDrawn="0">
-            <p:ph type="title" hasCustomPrompt="0"/>
+          <p:cNvSpPr>
+            <a:spLocks noGrp="1"/>
+          </p:cNvSpPr>
+          <p:nvPr>
+            <p:ph type="title"/>
           </p:nvPr>
         </p:nvSpPr>
         <p:spPr bwMode="auto">
@@ -3937,23 +3859,20 @@
               <a:defRPr/>
             </a:pPr>
             <a:r>
-              <a:rPr b="1"/>
-              <a:t>Le tribù a</a:t>
-            </a:r>
-            <a:r>
-              <a:rPr b="1"/>
-              <a:t>fricane Yoruba</a:t>
-            </a:r>
-            <a:endParaRPr b="1"/>
+              <a:rPr lang="it-IT" b="1" dirty="0"/>
+              <a:t>Le tribù africane Yoruba</a:t>
+            </a:r>
           </a:p>
         </p:txBody>
       </p:sp>
       <p:sp>
         <p:nvSpPr>
           <p:cNvPr id="3" name="Text Placeholder 2"/>
-          <p:cNvSpPr/>
-          <p:nvPr isPhoto="0" userDrawn="0">
-            <p:ph type="body" idx="1" hasCustomPrompt="0"/>
+          <p:cNvSpPr>
+            <a:spLocks noGrp="1"/>
+          </p:cNvSpPr>
+          <p:nvPr>
+            <p:ph type="body" idx="1"/>
           </p:nvPr>
         </p:nvSpPr>
         <p:spPr bwMode="auto"/>
@@ -3965,28 +3884,15 @@
               <a:defRPr/>
             </a:pPr>
             <a:r>
-              <a:rPr/>
-              <a:t>inviarano un guscio </a:t>
-            </a:r>
-            <a:r>
-              <a:rPr/>
-              <a:t>Cypraea</a:t>
-            </a:r>
-            <a:r>
-              <a:rPr/>
-              <a:t> </a:t>
-            </a:r>
-            <a:r>
-              <a:rPr/>
-              <a:t>ai rivali</a:t>
-            </a:r>
-            <a:endParaRPr/>
-          </a:p>
-          <a:p>
-            <a:pPr lvl="0">
-              <a:defRPr/>
-            </a:pPr>
-            <a:endParaRPr/>
+              <a:rPr lang="it-IT" dirty="0"/>
+              <a:t>inviarano un guscio Cypraea ai rivali</a:t>
+            </a:r>
+          </a:p>
+          <a:p>
+            <a:pPr lvl="0">
+              <a:defRPr/>
+            </a:pPr>
+            <a:endParaRPr lang="it-IT" dirty="0"/>
           </a:p>
         </p:txBody>
       </p:sp>
@@ -3995,13 +3901,13 @@
   <p:clrMapOvr>
     <a:masterClrMapping/>
   </p:clrMapOvr>
-  <mc:AlternateContent xmlns:mc="http://schemas.openxmlformats.org/markup-compatibility/2006">
-    <mc:Choice xmlns:p14="http://schemas.microsoft.com/office/powerpoint/2010/main" Requires="p14">
-      <p:transition spd="slow" p14:dur="2000" advClick="1" advTm="10000">
-        <p:fade thruBlk="0"/>
+  <mc:AlternateContent xmlns:mc="http://schemas.openxmlformats.org/markup-compatibility/2006" xmlns:p14="http://schemas.microsoft.com/office/powerpoint/2010/main">
+    <mc:Choice Requires="p14">
+      <p:transition spd="slow" p14:dur="2000" advTm="10000">
+        <p:fade/>
       </p:transition>
     </mc:Choice>
-    <mc:Fallback>
+    <mc:Fallback xmlns="">
       <p:transition spd="slow" advClick="1" advTm="10000">
         <p:fade thruBlk="0"/>
       </p:transition>
@@ -4011,21 +3917,22 @@
 </file>
 
 <file path=ppt/slides/slide5.xml><?xml version="1.0" encoding="utf-8"?>
-<p:sld xmlns:a="http://schemas.openxmlformats.org/drawingml/2006/main" xmlns:r="http://schemas.openxmlformats.org/officeDocument/2006/relationships" xmlns:p="http://schemas.openxmlformats.org/presentationml/2006/main" showMasterPhAnim="0" show="1">
-  <p:cSld name="">
+<p:sld xmlns:a="http://schemas.openxmlformats.org/drawingml/2006/main" xmlns:r="http://schemas.openxmlformats.org/officeDocument/2006/relationships" xmlns:p="http://schemas.openxmlformats.org/presentationml/2006/main" showMasterPhAnim="0">
+  <p:cSld>
     <p:bg>
-      <p:bgPr shadeToTitle="0">
+      <p:bgPr>
         <a:blipFill>
           <a:blip r:embed="rId3"/>
           <a:stretch/>
         </a:blipFill>
+        <a:effectLst/>
       </p:bgPr>
     </p:bg>
     <p:spTree>
       <p:nvGrpSpPr>
         <p:cNvPr id="1" name=""/>
         <p:cNvGrpSpPr/>
-        <p:nvPr isPhoto="0" userDrawn="0"/>
+        <p:nvPr/>
       </p:nvGrpSpPr>
       <p:grpSpPr bwMode="auto">
         <a:xfrm>
@@ -4038,9 +3945,11 @@
       <p:sp>
         <p:nvSpPr>
           <p:cNvPr id="2" name="Title 1"/>
-          <p:cNvSpPr/>
-          <p:nvPr isPhoto="0" userDrawn="0">
-            <p:ph type="title" hasCustomPrompt="0"/>
+          <p:cNvSpPr>
+            <a:spLocks noGrp="1"/>
+          </p:cNvSpPr>
+          <p:nvPr>
+            <p:ph type="title"/>
           </p:nvPr>
         </p:nvSpPr>
         <p:spPr bwMode="auto"/>
@@ -4052,40 +3961,32 @@
               <a:defRPr/>
             </a:pPr>
             <a:r>
-              <a:rPr sz="5000" b="1"/>
-              <a:t/>
-            </a:r>
-            <a:r>
-              <a:rPr sz="4800" b="1"/>
+              <a:rPr lang="it-IT" sz="4800" b="1" dirty="0"/>
               <a:t>I gentiluomini inglesi</a:t>
             </a:r>
-            <a:r>
-              <a:rPr b="1"/>
-              <a:t/>
-            </a:r>
-            <a:r>
-              <a:rPr b="1"/>
-              <a:t/>
-            </a:r>
-            <a:br/>
-            <a:r>
-              <a:rPr sz="4800"/>
+            <a:br>
+              <a:rPr lang="it-IT" dirty="0"/>
+            </a:br>
+            <a:r>
+              <a:rPr lang="it-IT" sz="4800" dirty="0"/>
               <a:t>(nel XVII secolo)</a:t>
             </a:r>
-            <a:endParaRPr/>
+            <a:endParaRPr lang="it-IT" dirty="0"/>
           </a:p>
         </p:txBody>
       </p:sp>
       <p:sp>
         <p:nvSpPr>
           <p:cNvPr id="3" name="Text Placeholder 2"/>
-          <p:cNvSpPr/>
-          <p:nvPr isPhoto="0" userDrawn="0">
-            <p:ph type="body" idx="1" hasCustomPrompt="0"/>
+          <p:cNvSpPr>
+            <a:spLocks noGrp="1"/>
+          </p:cNvSpPr>
+          <p:nvPr>
+            <p:ph type="body" idx="1"/>
           </p:nvPr>
         </p:nvSpPr>
         <p:spPr bwMode="auto">
-          <a:xfrm rot="0" flipH="0" flipV="0">
+          <a:xfrm>
             <a:off x="3587719" y="3888000"/>
             <a:ext cx="5232280" cy="2419200"/>
           </a:xfrm>
@@ -4098,20 +3999,15 @@
               <a:defRPr/>
             </a:pPr>
             <a:r>
-              <a:rPr/>
-              <a:t>inviarono una lettera gentile </a:t>
-            </a:r>
-            <a:r>
-              <a:rPr/>
-              <a:t>con la sfida</a:t>
-            </a:r>
-            <a:endParaRPr/>
-          </a:p>
-          <a:p>
-            <a:pPr lvl="0">
-              <a:defRPr/>
-            </a:pPr>
-            <a:endParaRPr/>
+              <a:rPr lang="it-IT" dirty="0"/>
+              <a:t>inviarono una lettera gentile con la sfida</a:t>
+            </a:r>
+          </a:p>
+          <a:p>
+            <a:pPr lvl="0">
+              <a:defRPr/>
+            </a:pPr>
+            <a:endParaRPr lang="it-IT" dirty="0"/>
           </a:p>
         </p:txBody>
       </p:sp>
@@ -4120,13 +4016,13 @@
   <p:clrMapOvr>
     <a:masterClrMapping/>
   </p:clrMapOvr>
-  <mc:AlternateContent xmlns:mc="http://schemas.openxmlformats.org/markup-compatibility/2006">
-    <mc:Choice xmlns:p14="http://schemas.microsoft.com/office/powerpoint/2010/main" Requires="p14">
-      <p:transition spd="slow" p14:dur="2000" advClick="1" advTm="10000">
-        <p:fade thruBlk="0"/>
+  <mc:AlternateContent xmlns:mc="http://schemas.openxmlformats.org/markup-compatibility/2006" xmlns:p14="http://schemas.microsoft.com/office/powerpoint/2010/main">
+    <mc:Choice Requires="p14">
+      <p:transition spd="slow" p14:dur="2000" advTm="10000">
+        <p:fade/>
       </p:transition>
     </mc:Choice>
-    <mc:Fallback>
+    <mc:Fallback xmlns="">
       <p:transition spd="slow" advClick="1" advTm="10000">
         <p:fade thruBlk="0"/>
       </p:transition>
@@ -4136,21 +4032,22 @@
 </file>
 
 <file path=ppt/slides/slide6.xml><?xml version="1.0" encoding="utf-8"?>
-<p:sld xmlns:a="http://schemas.openxmlformats.org/drawingml/2006/main" xmlns:r="http://schemas.openxmlformats.org/officeDocument/2006/relationships" xmlns:p="http://schemas.openxmlformats.org/presentationml/2006/main" showMasterPhAnim="0" show="1">
-  <p:cSld name="">
+<p:sld xmlns:a="http://schemas.openxmlformats.org/drawingml/2006/main" xmlns:r="http://schemas.openxmlformats.org/officeDocument/2006/relationships" xmlns:p="http://schemas.openxmlformats.org/presentationml/2006/main" showMasterPhAnim="0">
+  <p:cSld>
     <p:bg>
-      <p:bgPr shadeToTitle="0">
+      <p:bgPr>
         <a:blipFill>
           <a:blip r:embed="rId3"/>
           <a:stretch/>
         </a:blipFill>
+        <a:effectLst/>
       </p:bgPr>
     </p:bg>
     <p:spTree>
       <p:nvGrpSpPr>
         <p:cNvPr id="1" name=""/>
         <p:cNvGrpSpPr/>
-        <p:nvPr isPhoto="0" userDrawn="0"/>
+        <p:nvPr/>
       </p:nvGrpSpPr>
       <p:grpSpPr bwMode="auto">
         <a:xfrm>
@@ -4163,9 +4060,11 @@
       <p:sp>
         <p:nvSpPr>
           <p:cNvPr id="2" name="Title 1"/>
-          <p:cNvSpPr/>
-          <p:nvPr isPhoto="0" userDrawn="0">
-            <p:ph type="title" hasCustomPrompt="0"/>
+          <p:cNvSpPr>
+            <a:spLocks noGrp="1"/>
+          </p:cNvSpPr>
+          <p:nvPr>
+            <p:ph type="title"/>
           </p:nvPr>
         </p:nvSpPr>
         <p:spPr bwMode="auto"/>
@@ -4177,36 +4076,28 @@
               <a:defRPr/>
             </a:pPr>
             <a:r>
-              <a:rPr sz="5000" b="1"/>
-              <a:t/>
-            </a:r>
-            <a:r>
-              <a:rPr sz="4800" b="1"/>
+              <a:rPr lang="it-IT" sz="4800" b="1"/>
               <a:t>I samurai giapponesi</a:t>
             </a:r>
-            <a:r>
-              <a:rPr sz="6000" b="1"/>
-              <a:t/>
-            </a:r>
-            <a:r>
-              <a:rPr sz="6000" b="1"/>
-              <a:t/>
-            </a:r>
-            <a:br/>
-            <a:r>
-              <a:rPr sz="4800"/>
+            <a:br>
+              <a:rPr lang="it-IT"/>
+            </a:br>
+            <a:r>
+              <a:rPr lang="it-IT" sz="4800"/>
               <a:t>(XII-XVII secoli)</a:t>
             </a:r>
-            <a:endParaRPr/>
+            <a:endParaRPr lang="it-IT"/>
           </a:p>
         </p:txBody>
       </p:sp>
       <p:sp>
         <p:nvSpPr>
           <p:cNvPr id="3" name="Text Placeholder 2"/>
-          <p:cNvSpPr/>
-          <p:nvPr isPhoto="0" userDrawn="0">
-            <p:ph type="body" idx="1" hasCustomPrompt="0"/>
+          <p:cNvSpPr>
+            <a:spLocks noGrp="1"/>
+          </p:cNvSpPr>
+          <p:nvPr>
+            <p:ph type="body" idx="1"/>
           </p:nvPr>
         </p:nvSpPr>
         <p:spPr bwMode="auto">
@@ -4223,38 +4114,28 @@
               <a:defRPr/>
             </a:pPr>
             <a:r>
-              <a:rPr/>
+              <a:rPr lang="it-IT"/>
               <a:t>sferragliarono </a:t>
             </a:r>
             <a:r>
-              <a:rPr sz="4200" b="0" i="0" u="none" strike="noStrike" cap="none">
+              <a:rPr lang="it-IT" sz="4200" b="0" i="0" u="none" strike="noStrike" cap="none">
                 <a:solidFill>
                   <a:schemeClr val="tx1"/>
                 </a:solidFill>
                 <a:latin typeface="Georgia"/>
               </a:rPr>
-              <a:t>le loro guardie cotro </a:t>
-            </a:r>
-            <a:r>
-              <a:rPr sz="4200" b="0" i="0" u="none" strike="noStrike" cap="none">
-                <a:solidFill>
-                  <a:schemeClr val="tx1"/>
-                </a:solidFill>
-                <a:latin typeface="Georgia"/>
-              </a:rPr>
-              <a:t>le guaine</a:t>
-            </a:r>
-            <a:r>
-              <a:rPr/>
+              <a:t>le loro guardie cotro le guaine</a:t>
+            </a:r>
+            <a:r>
+              <a:rPr lang="it-IT"/>
               <a:t> per attirare l'attenzione del rivale</a:t>
             </a:r>
-            <a:endParaRPr/>
-          </a:p>
-          <a:p>
-            <a:pPr lvl="0">
-              <a:defRPr/>
-            </a:pPr>
-            <a:endParaRPr/>
+          </a:p>
+          <a:p>
+            <a:pPr lvl="0">
+              <a:defRPr/>
+            </a:pPr>
+            <a:endParaRPr lang="it-IT"/>
           </a:p>
         </p:txBody>
       </p:sp>
@@ -4263,13 +4144,13 @@
   <p:clrMapOvr>
     <a:masterClrMapping/>
   </p:clrMapOvr>
-  <mc:AlternateContent xmlns:mc="http://schemas.openxmlformats.org/markup-compatibility/2006">
-    <mc:Choice xmlns:p14="http://schemas.microsoft.com/office/powerpoint/2010/main" Requires="p14">
-      <p:transition spd="slow" p14:dur="2000" advClick="1" advTm="10000">
-        <p:fade thruBlk="0"/>
+  <mc:AlternateContent xmlns:mc="http://schemas.openxmlformats.org/markup-compatibility/2006" xmlns:p14="http://schemas.microsoft.com/office/powerpoint/2010/main">
+    <mc:Choice Requires="p14">
+      <p:transition spd="slow" p14:dur="2000" advTm="10000">
+        <p:fade/>
       </p:transition>
     </mc:Choice>
-    <mc:Fallback>
+    <mc:Fallback xmlns="">
       <p:transition spd="slow" advClick="1" advTm="10000">
         <p:fade thruBlk="0"/>
       </p:transition>
@@ -4279,21 +4160,22 @@
 </file>
 
 <file path=ppt/slides/slide7.xml><?xml version="1.0" encoding="utf-8"?>
-<p:sld xmlns:a="http://schemas.openxmlformats.org/drawingml/2006/main" xmlns:r="http://schemas.openxmlformats.org/officeDocument/2006/relationships" xmlns:p="http://schemas.openxmlformats.org/presentationml/2006/main" showMasterPhAnim="0" show="1">
-  <p:cSld name="">
+<p:sld xmlns:a="http://schemas.openxmlformats.org/drawingml/2006/main" xmlns:r="http://schemas.openxmlformats.org/officeDocument/2006/relationships" xmlns:p="http://schemas.openxmlformats.org/presentationml/2006/main" showMasterPhAnim="0">
+  <p:cSld>
     <p:bg>
-      <p:bgPr shadeToTitle="0">
+      <p:bgPr>
         <a:blipFill>
           <a:blip r:embed="rId3"/>
           <a:stretch/>
         </a:blipFill>
+        <a:effectLst/>
       </p:bgPr>
     </p:bg>
     <p:spTree>
       <p:nvGrpSpPr>
         <p:cNvPr id="1" name=""/>
         <p:cNvGrpSpPr/>
-        <p:nvPr isPhoto="0" userDrawn="0"/>
+        <p:nvPr/>
       </p:nvGrpSpPr>
       <p:grpSpPr bwMode="auto">
         <a:xfrm>
@@ -4306,13 +4188,15 @@
       <p:sp>
         <p:nvSpPr>
           <p:cNvPr id="2" name="Title 1"/>
-          <p:cNvSpPr/>
-          <p:nvPr isPhoto="0" userDrawn="0">
-            <p:ph type="title" hasCustomPrompt="0"/>
+          <p:cNvSpPr>
+            <a:spLocks noGrp="1"/>
+          </p:cNvSpPr>
+          <p:nvPr>
+            <p:ph type="title"/>
           </p:nvPr>
         </p:nvSpPr>
         <p:spPr bwMode="auto">
-          <a:xfrm rot="0" flipH="0" flipV="0">
+          <a:xfrm>
             <a:off x="2436346" y="1191599"/>
             <a:ext cx="6232453" cy="1724400"/>
           </a:xfrm>
@@ -4324,26 +4208,26 @@
             <a:pPr lvl="0">
               <a:defRPr/>
             </a:pPr>
-            <a:endParaRPr/>
-          </a:p>
-          <a:p>
-            <a:pPr lvl="0">
-              <a:defRPr/>
-            </a:pPr>
-            <a:endParaRPr/>
-          </a:p>
-          <a:p>
-            <a:pPr lvl="0">
-              <a:defRPr/>
-            </a:pPr>
-            <a:endParaRPr/>
-          </a:p>
-          <a:p>
-            <a:pPr lvl="0">
-              <a:defRPr/>
-            </a:pPr>
-            <a:r>
-              <a:rPr sz="6000" b="1" i="0" u="none" strike="noStrike" cap="none">
+            <a:endParaRPr lang="it-IT"/>
+          </a:p>
+          <a:p>
+            <a:pPr lvl="0">
+              <a:defRPr/>
+            </a:pPr>
+            <a:endParaRPr lang="it-IT"/>
+          </a:p>
+          <a:p>
+            <a:pPr lvl="0">
+              <a:defRPr/>
+            </a:pPr>
+            <a:endParaRPr lang="it-IT"/>
+          </a:p>
+          <a:p>
+            <a:pPr lvl="0">
+              <a:defRPr/>
+            </a:pPr>
+            <a:r>
+              <a:rPr lang="it-IT" sz="6000" b="1" i="0" u="none" strike="noStrike" cap="none">
                 <a:solidFill>
                   <a:schemeClr val="tx1"/>
                 </a:solidFill>
@@ -4351,39 +4235,28 @@
               </a:rPr>
               <a:t>Il "plankton" di ufficio </a:t>
             </a:r>
-            <a:endParaRPr/>
-          </a:p>
-          <a:p>
-            <a:pPr lvl="0">
-              <a:defRPr/>
-            </a:pPr>
-            <a:r>
-              <a:rPr sz="6000" b="1" i="0" u="none" strike="noStrike" cap="none">
-                <a:solidFill>
-                  <a:schemeClr val="tx1"/>
-                </a:solidFill>
-                <a:latin typeface="Georgia"/>
-              </a:rPr>
-              <a:t/>
-            </a:r>
-            <a:r>
-              <a:rPr sz="6000" b="1"/>
-              <a:t/>
-            </a:r>
-            <a:r>
-              <a:rPr sz="4800"/>
+            <a:endParaRPr lang="it-IT"/>
+          </a:p>
+          <a:p>
+            <a:pPr lvl="0">
+              <a:defRPr/>
+            </a:pPr>
+            <a:r>
+              <a:rPr lang="it-IT" sz="4800"/>
               <a:t>(nel XXI secolo)</a:t>
             </a:r>
-            <a:endParaRPr/>
+            <a:endParaRPr lang="it-IT"/>
           </a:p>
         </p:txBody>
       </p:sp>
       <p:sp>
         <p:nvSpPr>
           <p:cNvPr id="3" name="Text Placeholder 2"/>
-          <p:cNvSpPr/>
-          <p:nvPr isPhoto="0" userDrawn="0">
-            <p:ph type="body" idx="1" hasCustomPrompt="0"/>
+          <p:cNvSpPr>
+            <a:spLocks noGrp="1"/>
+          </p:cNvSpPr>
+          <p:nvPr>
+            <p:ph type="body" idx="1"/>
           </p:nvPr>
         </p:nvSpPr>
         <p:spPr bwMode="auto"/>
@@ -4395,24 +4268,16 @@
               <a:defRPr/>
             </a:pPr>
             <a:r>
-              <a:rPr sz="3600"/>
-              <a:t>invia un messaggio email con la sfida nel  </a:t>
-            </a:r>
-            <a:r>
-              <a:rPr sz="3600"/>
-              <a:t>soggetto ai loro </a:t>
-            </a:r>
-            <a:r>
-              <a:rPr sz="3600"/>
-              <a:t>concorrenti</a:t>
-            </a:r>
-            <a:endParaRPr/>
-          </a:p>
-          <a:p>
-            <a:pPr lvl="0">
-              <a:defRPr/>
-            </a:pPr>
-            <a:endParaRPr sz="3600"/>
+              <a:rPr lang="it-IT" sz="3600"/>
+              <a:t>invia un messaggio email con la sfida nel  soggetto ai loro concorrenti</a:t>
+            </a:r>
+            <a:endParaRPr lang="it-IT"/>
+          </a:p>
+          <a:p>
+            <a:pPr lvl="0">
+              <a:defRPr/>
+            </a:pPr>
+            <a:endParaRPr lang="it-IT" sz="3600"/>
           </a:p>
         </p:txBody>
       </p:sp>
@@ -4421,13 +4286,13 @@
   <p:clrMapOvr>
     <a:masterClrMapping/>
   </p:clrMapOvr>
-  <mc:AlternateContent xmlns:mc="http://schemas.openxmlformats.org/markup-compatibility/2006">
-    <mc:Choice xmlns:p14="http://schemas.microsoft.com/office/powerpoint/2010/main" Requires="p14">
-      <p:transition spd="slow" p14:dur="2000" advClick="1" advTm="10000">
-        <p:fade thruBlk="0"/>
+  <mc:AlternateContent xmlns:mc="http://schemas.openxmlformats.org/markup-compatibility/2006" xmlns:p14="http://schemas.microsoft.com/office/powerpoint/2010/main">
+    <mc:Choice Requires="p14">
+      <p:transition spd="slow" p14:dur="2000" advTm="10000">
+        <p:fade/>
       </p:transition>
     </mc:Choice>
-    <mc:Fallback>
+    <mc:Fallback xmlns="">
       <p:transition spd="slow" advClick="1" advTm="10000">
         <p:fade thruBlk="0"/>
       </p:transition>
@@ -4437,13 +4302,13 @@
 </file>
 
 <file path=ppt/slides/slide8.xml><?xml version="1.0" encoding="utf-8"?>
-<p:sld xmlns:a="http://schemas.openxmlformats.org/drawingml/2006/main" xmlns:r="http://schemas.openxmlformats.org/officeDocument/2006/relationships" xmlns:p="http://schemas.openxmlformats.org/presentationml/2006/main" showMasterPhAnim="0" show="1">
-  <p:cSld name="">
+<p:sld xmlns:a="http://schemas.openxmlformats.org/drawingml/2006/main" xmlns:r="http://schemas.openxmlformats.org/officeDocument/2006/relationships" xmlns:p="http://schemas.openxmlformats.org/presentationml/2006/main" showMasterPhAnim="0">
+  <p:cSld>
     <p:spTree>
       <p:nvGrpSpPr>
         <p:cNvPr id="1" name=""/>
         <p:cNvGrpSpPr/>
-        <p:nvPr isPhoto="0" userDrawn="0"/>
+        <p:nvPr/>
       </p:nvGrpSpPr>
       <p:grpSpPr bwMode="auto">
         <a:xfrm>
@@ -4456,9 +4321,11 @@
       <p:sp>
         <p:nvSpPr>
           <p:cNvPr id="4" name="Title 3"/>
-          <p:cNvSpPr/>
-          <p:nvPr isPhoto="0" userDrawn="0">
-            <p:ph type="title" hasCustomPrompt="0"/>
+          <p:cNvSpPr>
+            <a:spLocks noGrp="1"/>
+          </p:cNvSpPr>
+          <p:nvPr>
+            <p:ph type="title"/>
           </p:nvPr>
         </p:nvSpPr>
         <p:spPr bwMode="auto">
@@ -4475,35 +4342,27 @@
               <a:defRPr/>
             </a:pPr>
             <a:r>
-              <a:rPr sz="8800"/>
-              <a:t/>
-            </a:r>
-            <a:r>
-              <a:rPr sz="8800"/>
+              <a:rPr lang="it-IT" sz="8800"/>
               <a:t>ONLYOFFICE </a:t>
             </a:r>
-            <a:r>
-              <a:rPr/>
-              <a:t/>
-            </a:r>
-            <a:r>
-              <a:rPr/>
-              <a:t/>
-            </a:r>
-            <a:br/>
-            <a:r>
+            <a:br>
+              <a:rPr lang="it-IT"/>
+            </a:br>
+            <a:r>
+              <a:rPr lang="it-IT"/>
               <a:t>si schiera a favore della pace</a:t>
             </a:r>
-            <a:endParaRPr/>
           </a:p>
         </p:txBody>
       </p:sp>
       <p:sp>
         <p:nvSpPr>
           <p:cNvPr id="5" name="Content Placeholder 4"/>
-          <p:cNvSpPr/>
-          <p:nvPr isPhoto="0" userDrawn="0">
-            <p:ph idx="1" hasCustomPrompt="0"/>
+          <p:cNvSpPr>
+            <a:spLocks noGrp="1"/>
+          </p:cNvSpPr>
+          <p:nvPr>
+            <p:ph idx="1"/>
           </p:nvPr>
         </p:nvSpPr>
         <p:spPr bwMode="auto">
@@ -4520,15 +4379,6 @@
               <a:buNone/>
               <a:defRPr/>
             </a:pPr>
-            <a:r>
-              <a:rPr sz="3200" u="sng">
-                <a:solidFill>
-                  <a:schemeClr val="hlink"/>
-                </a:solidFill>
-                <a:hlinkClick r:id="rId3"/>
-              </a:rPr>
-              <a:t/>
-            </a:r>
             <a:r>
               <a:rPr sz="3200" u="sng">
                 <a:solidFill>
@@ -4538,14 +4388,6 @@
               </a:rPr>
               <a:t>www.onlyoffice.com</a:t>
             </a:r>
-            <a:r>
-              <a:rPr sz="3200" u="sng">
-                <a:solidFill>
-                  <a:schemeClr val="hlink"/>
-                </a:solidFill>
-              </a:rPr>
-              <a:t/>
-            </a:r>
             <a:endParaRPr sz="3200"/>
           </a:p>
         </p:txBody>
@@ -4555,13 +4397,13 @@
   <p:clrMapOvr>
     <a:masterClrMapping/>
   </p:clrMapOvr>
-  <mc:AlternateContent xmlns:mc="http://schemas.openxmlformats.org/markup-compatibility/2006">
-    <mc:Choice xmlns:p14="http://schemas.microsoft.com/office/powerpoint/2010/main" Requires="p14">
-      <p:transition spd="slow" p14:dur="2000" advClick="1" advTm="10000">
-        <p:fade thruBlk="0"/>
+  <mc:AlternateContent xmlns:mc="http://schemas.openxmlformats.org/markup-compatibility/2006" xmlns:p14="http://schemas.microsoft.com/office/powerpoint/2010/main">
+    <mc:Choice Requires="p14">
+      <p:transition spd="slow" p14:dur="2000" advTm="10000">
+        <p:fade/>
       </p:transition>
     </mc:Choice>
-    <mc:Fallback>
+    <mc:Fallback xmlns="">
       <p:transition spd="slow" advClick="1" advTm="10000">
         <p:fade thruBlk="0"/>
       </p:transition>
@@ -4571,7 +4413,7 @@
 </file>
 
 <file path=ppt/theme/theme1.xml><?xml version="1.0" encoding="utf-8"?>
-<a:theme xmlns:a="http://schemas.openxmlformats.org/drawingml/2006/main" xmlns:r="http://schemas.openxmlformats.org/officeDocument/2006/relationships" xmlns:p="http://schemas.openxmlformats.org/presentationml/2006/main" name="Office Theme">
+<a:theme xmlns:a="http://schemas.openxmlformats.org/drawingml/2006/main" name="Office Theme">
   <a:themeElements>
     <a:clrScheme name="Custom 9">
       <a:dk1>
@@ -4771,6 +4613,7 @@
     </a:fmtScheme>
   </a:themeElements>
   <a:objectDefaults/>
+  <a:extraClrSchemeLst/>
 </a:theme>
 </file>
 
